--- a/Presentation.pptx
+++ b/Presentation.pptx
@@ -5,7 +5,7 @@
     <p:sldMasterId id="2147484055" r:id="rId4"/>
   </p:sldMasterIdLst>
   <p:notesMasterIdLst>
-    <p:notesMasterId r:id="rId12"/>
+    <p:notesMasterId r:id="rId16"/>
   </p:notesMasterIdLst>
   <p:sldIdLst>
     <p:sldId id="318" r:id="rId5"/>
@@ -14,7 +14,11 @@
     <p:sldId id="321" r:id="rId8"/>
     <p:sldId id="322" r:id="rId9"/>
     <p:sldId id="324" r:id="rId10"/>
-    <p:sldId id="323" r:id="rId11"/>
+    <p:sldId id="325" r:id="rId11"/>
+    <p:sldId id="326" r:id="rId12"/>
+    <p:sldId id="328" r:id="rId13"/>
+    <p:sldId id="330" r:id="rId14"/>
+    <p:sldId id="323" r:id="rId15"/>
   </p:sldIdLst>
   <p:sldSz cx="9144000" cy="6858000" type="screen4x3"/>
   <p:notesSz cx="7099300" cy="10234613"/>
@@ -3145,10 +3149,6 @@
               <a:rPr lang="fr-FR" sz="4800" dirty="0" smtClean="0"/>
               <a:t>Projet Réalité virtuel</a:t>
             </a:r>
-            <a:r>
-              <a:rPr lang="fr-FR" sz="4800" dirty="0" smtClean="0"/>
-              <a:t/>
-            </a:r>
             <a:br>
               <a:rPr lang="fr-FR" sz="4800" dirty="0" smtClean="0"/>
             </a:br>
@@ -3230,7 +3230,6 @@
               <a:rPr lang="fr-FR" dirty="0" smtClean="0"/>
               <a:t>Etudiant : </a:t>
             </a:r>
-            <a:endParaRPr lang="fr-FR" dirty="0" smtClean="0"/>
           </a:p>
           <a:p>
             <a:r>
@@ -3239,11 +3238,7 @@
             </a:r>
             <a:r>
               <a:rPr lang="fr-FR" dirty="0" smtClean="0"/>
-              <a:t> </a:t>
-            </a:r>
-            <a:r>
-              <a:rPr lang="fr-FR" dirty="0" smtClean="0"/>
-              <a:t>Thibaut</a:t>
+              <a:t> Thibaut</a:t>
             </a:r>
           </a:p>
           <a:p>
@@ -3343,6 +3338,252 @@
       </p:par>
     </p:tnLst>
   </p:timing>
+</p:sld>
+</file>
+
+<file path=ppt/slides/slide10.xml><?xml version="1.0" encoding="utf-8"?>
+<p:sld xmlns:a="http://schemas.openxmlformats.org/drawingml/2006/main" xmlns:r="http://schemas.openxmlformats.org/officeDocument/2006/relationships" xmlns:p="http://schemas.openxmlformats.org/presentationml/2006/main">
+  <p:cSld>
+    <p:spTree>
+      <p:nvGrpSpPr>
+        <p:cNvPr id="1" name=""/>
+        <p:cNvGrpSpPr/>
+        <p:nvPr/>
+      </p:nvGrpSpPr>
+      <p:grpSpPr>
+        <a:xfrm>
+          <a:off x="0" y="0"/>
+          <a:ext cx="0" cy="0"/>
+          <a:chOff x="0" y="0"/>
+          <a:chExt cx="0" cy="0"/>
+        </a:xfrm>
+      </p:grpSpPr>
+      <p:sp>
+        <p:nvSpPr>
+          <p:cNvPr id="2" name="Titre 1"/>
+          <p:cNvSpPr>
+            <a:spLocks noGrp="1"/>
+          </p:cNvSpPr>
+          <p:nvPr>
+            <p:ph type="title"/>
+          </p:nvPr>
+        </p:nvSpPr>
+        <p:spPr/>
+        <p:txBody>
+          <a:bodyPr/>
+          <a:lstStyle/>
+          <a:p>
+            <a:r>
+              <a:rPr lang="fr-FR" dirty="0" smtClean="0"/>
+              <a:t>Mise en place interaction </a:t>
+            </a:r>
+            <a:endParaRPr lang="fr-FR" dirty="0"/>
+          </a:p>
+        </p:txBody>
+      </p:sp>
+      <p:sp>
+        <p:nvSpPr>
+          <p:cNvPr id="3" name="Espace réservé du contenu 2"/>
+          <p:cNvSpPr>
+            <a:spLocks noGrp="1"/>
+          </p:cNvSpPr>
+          <p:nvPr>
+            <p:ph idx="1"/>
+          </p:nvPr>
+        </p:nvSpPr>
+        <p:spPr/>
+        <p:txBody>
+          <a:bodyPr/>
+          <a:lstStyle/>
+          <a:p>
+            <a:r>
+              <a:rPr lang="fr-FR" dirty="0" err="1" smtClean="0"/>
+              <a:t>Picking</a:t>
+            </a:r>
+            <a:endParaRPr lang="fr-FR" dirty="0" smtClean="0"/>
+          </a:p>
+          <a:p>
+            <a:pPr lvl="1"/>
+            <a:r>
+              <a:rPr lang="fr-FR" dirty="0" smtClean="0"/>
+              <a:t>Mise en place rapide</a:t>
+            </a:r>
+          </a:p>
+          <a:p>
+            <a:pPr lvl="1"/>
+            <a:endParaRPr lang="fr-FR" dirty="0" smtClean="0"/>
+          </a:p>
+          <a:p>
+            <a:pPr lvl="1"/>
+            <a:r>
+              <a:rPr lang="fr-FR" dirty="0" smtClean="0"/>
+              <a:t>Lancer de rayon et suppression du premier bloc rencontré</a:t>
+            </a:r>
+            <a:endParaRPr lang="fr-FR" dirty="0"/>
+          </a:p>
+        </p:txBody>
+      </p:sp>
+      <p:sp>
+        <p:nvSpPr>
+          <p:cNvPr id="4" name="Espace réservé du numéro de diapositive 3"/>
+          <p:cNvSpPr>
+            <a:spLocks noGrp="1"/>
+          </p:cNvSpPr>
+          <p:nvPr>
+            <p:ph type="sldNum" sz="quarter" idx="12"/>
+          </p:nvPr>
+        </p:nvSpPr>
+        <p:spPr/>
+        <p:txBody>
+          <a:bodyPr/>
+          <a:lstStyle/>
+          <a:p>
+            <a:pPr>
+              <a:defRPr/>
+            </a:pPr>
+            <a:fld id="{D1D235AC-8EA9-4E3D-A70A-049BD4DFED3A}" type="slidenum">
+              <a:rPr lang="fr-FR" smtClean="0"/>
+              <a:pPr>
+                <a:defRPr/>
+              </a:pPr>
+              <a:t>10</a:t>
+            </a:fld>
+            <a:endParaRPr lang="fr-FR" dirty="0"/>
+          </a:p>
+        </p:txBody>
+      </p:sp>
+    </p:spTree>
+  </p:cSld>
+  <p:clrMapOvr>
+    <a:masterClrMapping/>
+  </p:clrMapOvr>
+  <p:transition spd="slow">
+    <p:cover/>
+  </p:transition>
+</p:sld>
+</file>
+
+<file path=ppt/slides/slide11.xml><?xml version="1.0" encoding="utf-8"?>
+<p:sld xmlns:a="http://schemas.openxmlformats.org/drawingml/2006/main" xmlns:r="http://schemas.openxmlformats.org/officeDocument/2006/relationships" xmlns:p="http://schemas.openxmlformats.org/presentationml/2006/main">
+  <p:cSld>
+    <p:spTree>
+      <p:nvGrpSpPr>
+        <p:cNvPr id="1" name=""/>
+        <p:cNvGrpSpPr/>
+        <p:nvPr/>
+      </p:nvGrpSpPr>
+      <p:grpSpPr>
+        <a:xfrm>
+          <a:off x="0" y="0"/>
+          <a:ext cx="0" cy="0"/>
+          <a:chOff x="0" y="0"/>
+          <a:chExt cx="0" cy="0"/>
+        </a:xfrm>
+      </p:grpSpPr>
+      <p:sp>
+        <p:nvSpPr>
+          <p:cNvPr id="2" name="Titre 1"/>
+          <p:cNvSpPr>
+            <a:spLocks noGrp="1"/>
+          </p:cNvSpPr>
+          <p:nvPr>
+            <p:ph type="title"/>
+          </p:nvPr>
+        </p:nvSpPr>
+        <p:spPr/>
+        <p:txBody>
+          <a:bodyPr/>
+          <a:lstStyle/>
+          <a:p>
+            <a:r>
+              <a:rPr lang="fr-FR" dirty="0" smtClean="0"/>
+              <a:t>Conclusion</a:t>
+            </a:r>
+            <a:endParaRPr lang="fr-FR" dirty="0"/>
+          </a:p>
+        </p:txBody>
+      </p:sp>
+      <p:sp>
+        <p:nvSpPr>
+          <p:cNvPr id="3" name="Espace réservé du contenu 2"/>
+          <p:cNvSpPr>
+            <a:spLocks noGrp="1"/>
+          </p:cNvSpPr>
+          <p:nvPr>
+            <p:ph idx="1"/>
+          </p:nvPr>
+        </p:nvSpPr>
+        <p:spPr/>
+        <p:txBody>
+          <a:bodyPr/>
+          <a:lstStyle/>
+          <a:p>
+            <a:r>
+              <a:rPr lang="fr-FR" dirty="0" smtClean="0"/>
+              <a:t>Beaucoup de temps perdu sur la liaison des </a:t>
+            </a:r>
+            <a:r>
+              <a:rPr lang="fr-FR" dirty="0" smtClean="0"/>
+              <a:t>blocs</a:t>
+            </a:r>
+          </a:p>
+          <a:p>
+            <a:r>
+              <a:rPr lang="fr-FR" dirty="0" smtClean="0"/>
+              <a:t>Temps perdu sur la mise en place d’animation</a:t>
+            </a:r>
+            <a:endParaRPr lang="fr-FR" dirty="0" smtClean="0"/>
+          </a:p>
+          <a:p>
+            <a:r>
+              <a:rPr lang="fr-FR" dirty="0" smtClean="0"/>
+              <a:t>Ralentissement du </a:t>
+            </a:r>
+            <a:r>
+              <a:rPr lang="fr-FR" dirty="0" smtClean="0"/>
+              <a:t>jeu</a:t>
+            </a:r>
+            <a:endParaRPr lang="fr-FR" dirty="0" smtClean="0"/>
+          </a:p>
+        </p:txBody>
+      </p:sp>
+      <p:sp>
+        <p:nvSpPr>
+          <p:cNvPr id="4" name="Espace réservé du numéro de diapositive 3"/>
+          <p:cNvSpPr>
+            <a:spLocks noGrp="1"/>
+          </p:cNvSpPr>
+          <p:nvPr>
+            <p:ph type="sldNum" sz="quarter" idx="12"/>
+          </p:nvPr>
+        </p:nvSpPr>
+        <p:spPr/>
+        <p:txBody>
+          <a:bodyPr/>
+          <a:lstStyle/>
+          <a:p>
+            <a:pPr>
+              <a:defRPr/>
+            </a:pPr>
+            <a:fld id="{D1D235AC-8EA9-4E3D-A70A-049BD4DFED3A}" type="slidenum">
+              <a:rPr lang="fr-FR" smtClean="0"/>
+              <a:pPr>
+                <a:defRPr/>
+              </a:pPr>
+              <a:t>11</a:t>
+            </a:fld>
+            <a:endParaRPr lang="fr-FR" dirty="0"/>
+          </a:p>
+        </p:txBody>
+      </p:sp>
+    </p:spTree>
+  </p:cSld>
+  <p:clrMapOvr>
+    <a:masterClrMapping/>
+  </p:clrMapOvr>
+  <p:transition spd="slow">
+    <p:cover/>
+  </p:transition>
 </p:sld>
 </file>
 
@@ -3399,7 +3640,7 @@
         <p:spPr/>
         <p:txBody>
           <a:bodyPr>
-            <a:normAutofit lnSpcReduction="10000"/>
+            <a:normAutofit fontScale="92500" lnSpcReduction="20000"/>
           </a:bodyPr>
           <a:lstStyle/>
           <a:p>
@@ -3407,7 +3648,6 @@
               <a:rPr lang="fr-FR" dirty="0" smtClean="0"/>
               <a:t>Introduction : présentation du sujet</a:t>
             </a:r>
-            <a:endParaRPr lang="fr-FR" dirty="0" smtClean="0"/>
           </a:p>
           <a:p>
             <a:r>
@@ -3447,6 +3687,13 @@
             <a:r>
               <a:rPr lang="fr-FR" dirty="0" smtClean="0"/>
               <a:t>Mouvements</a:t>
+            </a:r>
+          </a:p>
+          <a:p>
+            <a:pPr lvl="1"/>
+            <a:r>
+              <a:rPr lang="fr-FR" dirty="0" err="1" smtClean="0"/>
+              <a:t>Picking</a:t>
             </a:r>
             <a:endParaRPr lang="fr-FR" dirty="0" smtClean="0"/>
           </a:p>
@@ -3870,7 +4117,6 @@
               <a:rPr lang="fr-FR" dirty="0" smtClean="0"/>
               <a:t>Problème de collision (centre de gravité)</a:t>
             </a:r>
-            <a:endParaRPr lang="fr-FR" dirty="0" smtClean="0"/>
           </a:p>
           <a:p>
             <a:pPr lvl="1"/>
@@ -4007,15 +4253,7 @@
           <a:p>
             <a:r>
               <a:rPr lang="fr-FR" dirty="0" smtClean="0"/>
-              <a:t>??? Je te laisse mettre ce que tu </a:t>
-            </a:r>
-            <a:r>
-              <a:rPr lang="fr-FR" dirty="0" err="1" smtClean="0"/>
-              <a:t>ve</a:t>
-            </a:r>
-            <a:r>
-              <a:rPr lang="fr-FR" dirty="0" smtClean="0"/>
-              <a:t> ^^</a:t>
+              <a:t>Modèle de Pioche</a:t>
             </a:r>
             <a:endParaRPr lang="fr-FR" dirty="0"/>
           </a:p>
@@ -4050,6 +4288,36 @@
           </a:p>
         </p:txBody>
       </p:sp>
+      <p:pic>
+        <p:nvPicPr>
+          <p:cNvPr id="5" name="Image 4"/>
+          <p:cNvPicPr/>
+          <p:nvPr/>
+        </p:nvPicPr>
+        <p:blipFill>
+          <a:blip r:embed="rId2" cstate="print"/>
+          <a:srcRect l="26692" t="16870" r="23211" b="11992"/>
+          <a:stretch>
+            <a:fillRect/>
+          </a:stretch>
+        </p:blipFill>
+        <p:spPr bwMode="auto">
+          <a:xfrm>
+            <a:off x="1691680" y="2276872"/>
+            <a:ext cx="2466975" cy="3333750"/>
+          </a:xfrm>
+          <a:prstGeom prst="rect">
+            <a:avLst/>
+          </a:prstGeom>
+          <a:noFill/>
+          <a:ln w="9525">
+            <a:noFill/>
+            <a:miter lim="800000"/>
+            <a:headEnd/>
+            <a:tailEnd/>
+          </a:ln>
+        </p:spPr>
+      </p:pic>
     </p:spTree>
   </p:cSld>
   <p:clrMapOvr>
@@ -4095,7 +4363,7 @@
           <a:p>
             <a:r>
               <a:rPr lang="fr-FR" dirty="0" smtClean="0"/>
-              <a:t>Conclusion</a:t>
+              <a:t>Mise en place interaction </a:t>
             </a:r>
             <a:endParaRPr lang="fr-FR" dirty="0"/>
           </a:p>
@@ -4118,23 +4386,7 @@
           <a:p>
             <a:r>
               <a:rPr lang="fr-FR" dirty="0" smtClean="0"/>
-              <a:t>Beaucoup de temps perdu sur la liaison des blocs</a:t>
-            </a:r>
-          </a:p>
-          <a:p>
-            <a:r>
-              <a:rPr lang="fr-FR" dirty="0" smtClean="0"/>
-              <a:t>Ralentissement du jeu</a:t>
-            </a:r>
-          </a:p>
-          <a:p>
-            <a:r>
-              <a:rPr lang="fr-FR" dirty="0" smtClean="0"/>
-              <a:t> </a:t>
-            </a:r>
-            <a:r>
-              <a:rPr lang="fr-FR" dirty="0" smtClean="0"/>
-              <a:t>????</a:t>
+              <a:t>Animation de la pioche</a:t>
             </a:r>
             <a:endParaRPr lang="fr-FR" dirty="0"/>
           </a:p>
@@ -4164,6 +4416,295 @@
                 <a:defRPr/>
               </a:pPr>
               <a:t>7</a:t>
+            </a:fld>
+            <a:endParaRPr lang="fr-FR" dirty="0"/>
+          </a:p>
+        </p:txBody>
+      </p:sp>
+      <p:pic>
+        <p:nvPicPr>
+          <p:cNvPr id="6" name="Image 5"/>
+          <p:cNvPicPr/>
+          <p:nvPr/>
+        </p:nvPicPr>
+        <p:blipFill>
+          <a:blip r:embed="rId2" cstate="print"/>
+          <a:srcRect/>
+          <a:stretch>
+            <a:fillRect/>
+          </a:stretch>
+        </p:blipFill>
+        <p:spPr bwMode="auto">
+          <a:xfrm>
+            <a:off x="1331640" y="2276872"/>
+            <a:ext cx="2393523" cy="3409950"/>
+          </a:xfrm>
+          <a:prstGeom prst="rect">
+            <a:avLst/>
+          </a:prstGeom>
+          <a:noFill/>
+          <a:ln w="9525">
+            <a:noFill/>
+            <a:miter lim="800000"/>
+            <a:headEnd/>
+            <a:tailEnd/>
+          </a:ln>
+        </p:spPr>
+      </p:pic>
+    </p:spTree>
+  </p:cSld>
+  <p:clrMapOvr>
+    <a:masterClrMapping/>
+  </p:clrMapOvr>
+  <p:transition spd="slow">
+    <p:cover/>
+  </p:transition>
+</p:sld>
+</file>
+
+<file path=ppt/slides/slide8.xml><?xml version="1.0" encoding="utf-8"?>
+<p:sld xmlns:a="http://schemas.openxmlformats.org/drawingml/2006/main" xmlns:r="http://schemas.openxmlformats.org/officeDocument/2006/relationships" xmlns:p="http://schemas.openxmlformats.org/presentationml/2006/main">
+  <p:cSld>
+    <p:spTree>
+      <p:nvGrpSpPr>
+        <p:cNvPr id="1" name=""/>
+        <p:cNvGrpSpPr/>
+        <p:nvPr/>
+      </p:nvGrpSpPr>
+      <p:grpSpPr>
+        <a:xfrm>
+          <a:off x="0" y="0"/>
+          <a:ext cx="0" cy="0"/>
+          <a:chOff x="0" y="0"/>
+          <a:chExt cx="0" cy="0"/>
+        </a:xfrm>
+      </p:grpSpPr>
+      <p:sp>
+        <p:nvSpPr>
+          <p:cNvPr id="2" name="Titre 1"/>
+          <p:cNvSpPr>
+            <a:spLocks noGrp="1"/>
+          </p:cNvSpPr>
+          <p:nvPr>
+            <p:ph type="title"/>
+          </p:nvPr>
+        </p:nvSpPr>
+        <p:spPr/>
+        <p:txBody>
+          <a:bodyPr/>
+          <a:lstStyle/>
+          <a:p>
+            <a:r>
+              <a:rPr lang="fr-FR" dirty="0" smtClean="0"/>
+              <a:t>Mise en place interaction </a:t>
+            </a:r>
+            <a:endParaRPr lang="fr-FR" dirty="0"/>
+          </a:p>
+        </p:txBody>
+      </p:sp>
+      <p:sp>
+        <p:nvSpPr>
+          <p:cNvPr id="3" name="Espace réservé du contenu 2"/>
+          <p:cNvSpPr>
+            <a:spLocks noGrp="1"/>
+          </p:cNvSpPr>
+          <p:nvPr>
+            <p:ph idx="1"/>
+          </p:nvPr>
+        </p:nvSpPr>
+        <p:spPr/>
+        <p:txBody>
+          <a:bodyPr/>
+          <a:lstStyle/>
+          <a:p>
+            <a:r>
+              <a:rPr lang="fr-FR" dirty="0" smtClean="0"/>
+              <a:t>Animation de la pioche</a:t>
+            </a:r>
+            <a:endParaRPr lang="fr-FR" dirty="0"/>
+          </a:p>
+        </p:txBody>
+      </p:sp>
+      <p:sp>
+        <p:nvSpPr>
+          <p:cNvPr id="4" name="Espace réservé du numéro de diapositive 3"/>
+          <p:cNvSpPr>
+            <a:spLocks noGrp="1"/>
+          </p:cNvSpPr>
+          <p:nvPr>
+            <p:ph type="sldNum" sz="quarter" idx="12"/>
+          </p:nvPr>
+        </p:nvSpPr>
+        <p:spPr/>
+        <p:txBody>
+          <a:bodyPr/>
+          <a:lstStyle/>
+          <a:p>
+            <a:pPr>
+              <a:defRPr/>
+            </a:pPr>
+            <a:fld id="{D1D235AC-8EA9-4E3D-A70A-049BD4DFED3A}" type="slidenum">
+              <a:rPr lang="fr-FR" smtClean="0"/>
+              <a:pPr>
+                <a:defRPr/>
+              </a:pPr>
+              <a:t>8</a:t>
+            </a:fld>
+            <a:endParaRPr lang="fr-FR" dirty="0"/>
+          </a:p>
+        </p:txBody>
+      </p:sp>
+      <p:pic>
+        <p:nvPicPr>
+          <p:cNvPr id="7" name="Image 6"/>
+          <p:cNvPicPr/>
+          <p:nvPr/>
+        </p:nvPicPr>
+        <p:blipFill>
+          <a:blip r:embed="rId2" cstate="print"/>
+          <a:srcRect/>
+          <a:stretch>
+            <a:fillRect/>
+          </a:stretch>
+        </p:blipFill>
+        <p:spPr bwMode="auto">
+          <a:xfrm>
+            <a:off x="683568" y="2348880"/>
+            <a:ext cx="7704856" cy="3384376"/>
+          </a:xfrm>
+          <a:prstGeom prst="rect">
+            <a:avLst/>
+          </a:prstGeom>
+          <a:noFill/>
+          <a:ln w="9525">
+            <a:noFill/>
+            <a:miter lim="800000"/>
+            <a:headEnd/>
+            <a:tailEnd/>
+          </a:ln>
+        </p:spPr>
+      </p:pic>
+    </p:spTree>
+  </p:cSld>
+  <p:clrMapOvr>
+    <a:masterClrMapping/>
+  </p:clrMapOvr>
+  <p:transition spd="slow">
+    <p:cover/>
+  </p:transition>
+</p:sld>
+</file>
+
+<file path=ppt/slides/slide9.xml><?xml version="1.0" encoding="utf-8"?>
+<p:sld xmlns:a="http://schemas.openxmlformats.org/drawingml/2006/main" xmlns:r="http://schemas.openxmlformats.org/officeDocument/2006/relationships" xmlns:p="http://schemas.openxmlformats.org/presentationml/2006/main">
+  <p:cSld>
+    <p:spTree>
+      <p:nvGrpSpPr>
+        <p:cNvPr id="1" name=""/>
+        <p:cNvGrpSpPr/>
+        <p:nvPr/>
+      </p:nvGrpSpPr>
+      <p:grpSpPr>
+        <a:xfrm>
+          <a:off x="0" y="0"/>
+          <a:ext cx="0" cy="0"/>
+          <a:chOff x="0" y="0"/>
+          <a:chExt cx="0" cy="0"/>
+        </a:xfrm>
+      </p:grpSpPr>
+      <p:sp>
+        <p:nvSpPr>
+          <p:cNvPr id="2" name="Titre 1"/>
+          <p:cNvSpPr>
+            <a:spLocks noGrp="1"/>
+          </p:cNvSpPr>
+          <p:nvPr>
+            <p:ph type="title"/>
+          </p:nvPr>
+        </p:nvSpPr>
+        <p:spPr/>
+        <p:txBody>
+          <a:bodyPr/>
+          <a:lstStyle/>
+          <a:p>
+            <a:r>
+              <a:rPr lang="fr-FR" dirty="0" smtClean="0"/>
+              <a:t>Mise en place interaction </a:t>
+            </a:r>
+            <a:endParaRPr lang="fr-FR" dirty="0"/>
+          </a:p>
+        </p:txBody>
+      </p:sp>
+      <p:sp>
+        <p:nvSpPr>
+          <p:cNvPr id="3" name="Espace réservé du contenu 2"/>
+          <p:cNvSpPr>
+            <a:spLocks noGrp="1"/>
+          </p:cNvSpPr>
+          <p:nvPr>
+            <p:ph idx="1"/>
+          </p:nvPr>
+        </p:nvSpPr>
+        <p:spPr/>
+        <p:txBody>
+          <a:bodyPr/>
+          <a:lstStyle/>
+          <a:p>
+            <a:r>
+              <a:rPr lang="fr-FR" dirty="0" smtClean="0"/>
+              <a:t>Intégration de la pioche au jeu</a:t>
+            </a:r>
+          </a:p>
+          <a:p>
+            <a:pPr lvl="1"/>
+            <a:r>
+              <a:rPr lang="fr-FR" dirty="0" smtClean="0"/>
+              <a:t>Ajout des la pioche au </a:t>
+            </a:r>
+            <a:r>
+              <a:rPr lang="fr-FR" dirty="0" err="1" smtClean="0"/>
+              <a:t>rootNode</a:t>
+            </a:r>
+            <a:endParaRPr lang="fr-FR" dirty="0" smtClean="0"/>
+          </a:p>
+          <a:p>
+            <a:pPr lvl="1"/>
+            <a:endParaRPr lang="fr-FR" dirty="0" smtClean="0"/>
+          </a:p>
+          <a:p>
+            <a:pPr lvl="1"/>
+            <a:r>
+              <a:rPr lang="fr-FR" dirty="0" smtClean="0"/>
+              <a:t>Calcul des rotations et position </a:t>
+            </a:r>
+            <a:endParaRPr lang="fr-FR" dirty="0"/>
+          </a:p>
+        </p:txBody>
+      </p:sp>
+      <p:sp>
+        <p:nvSpPr>
+          <p:cNvPr id="4" name="Espace réservé du numéro de diapositive 3"/>
+          <p:cNvSpPr>
+            <a:spLocks noGrp="1"/>
+          </p:cNvSpPr>
+          <p:nvPr>
+            <p:ph type="sldNum" sz="quarter" idx="12"/>
+          </p:nvPr>
+        </p:nvSpPr>
+        <p:spPr/>
+        <p:txBody>
+          <a:bodyPr/>
+          <a:lstStyle/>
+          <a:p>
+            <a:pPr>
+              <a:defRPr/>
+            </a:pPr>
+            <a:fld id="{D1D235AC-8EA9-4E3D-A70A-049BD4DFED3A}" type="slidenum">
+              <a:rPr lang="fr-FR" smtClean="0"/>
+              <a:pPr>
+                <a:defRPr/>
+              </a:pPr>
+              <a:t>9</a:t>
             </a:fld>
             <a:endParaRPr lang="fr-FR" dirty="0"/>
           </a:p>
@@ -4712,24 +5253,6 @@
 </file>
 
 <file path=customXml/item1.xml><?xml version="1.0" encoding="utf-8"?>
-<?mso-contentType ?>
-<FormTemplates xmlns="http://schemas.microsoft.com/sharepoint/v3/contenttype/forms">
-  <Display>DocumentLibraryForm</Display>
-  <Edit>DocumentLibraryForm</Edit>
-  <New>DocumentLibraryForm</New>
-</FormTemplates>
-</file>
-
-<file path=customXml/item2.xml><?xml version="1.0" encoding="utf-8"?>
-<p:properties xmlns:p="http://schemas.microsoft.com/office/2006/metadata/properties" xmlns:xsi="http://www.w3.org/2001/XMLSchema-instance">
-  <documentManagement>
-    <PublishingExpirationDate xmlns="http://schemas.microsoft.com/sharepoint/v3" xsi:nil="true"/>
-    <PublishingStartDate xmlns="http://schemas.microsoft.com/sharepoint/v3" xsi:nil="true"/>
-  </documentManagement>
-</p:properties>
-</file>
-
-<file path=customXml/item3.xml><?xml version="1.0" encoding="utf-8"?>
 <ct:contentTypeSchema xmlns:ct="http://schemas.microsoft.com/office/2006/metadata/contentType" xmlns:ma="http://schemas.microsoft.com/office/2006/metadata/properties/metaAttributes" ct:_="" ma:_="" ma:contentTypeName="Document" ma:contentTypeID="0x01010012D44DC01BD547408129FA5BDDA50BAB" ma:contentTypeVersion="1" ma:contentTypeDescription="Crée un document." ma:contentTypeScope="" ma:versionID="3a3d02b93b774ab428db4a51b5a82cb3">
   <xsd:schema xmlns:xsd="http://www.w3.org/2001/XMLSchema" xmlns:p="http://schemas.microsoft.com/office/2006/metadata/properties" xmlns:ns1="http://schemas.microsoft.com/sharepoint/v3" targetNamespace="http://schemas.microsoft.com/office/2006/metadata/properties" ma:root="true" ma:fieldsID="ee565551e1a1637f9df0223e78db73bd" ns1:_="">
     <xsd:import namespace="http://schemas.microsoft.com/sharepoint/v3"/>
@@ -4795,10 +5318,37 @@
 </ct:contentTypeSchema>
 </file>
 
+<file path=customXml/item2.xml><?xml version="1.0" encoding="utf-8"?>
+<p:properties xmlns:p="http://schemas.microsoft.com/office/2006/metadata/properties" xmlns:xsi="http://www.w3.org/2001/XMLSchema-instance">
+  <documentManagement>
+    <PublishingExpirationDate xmlns="http://schemas.microsoft.com/sharepoint/v3" xsi:nil="true"/>
+    <PublishingStartDate xmlns="http://schemas.microsoft.com/sharepoint/v3" xsi:nil="true"/>
+  </documentManagement>
+</p:properties>
+</file>
+
+<file path=customXml/item3.xml><?xml version="1.0" encoding="utf-8"?>
+<?mso-contentType ?>
+<FormTemplates xmlns="http://schemas.microsoft.com/sharepoint/v3/contenttype/forms">
+  <Display>DocumentLibraryForm</Display>
+  <Edit>DocumentLibraryForm</Edit>
+  <New>DocumentLibraryForm</New>
+</FormTemplates>
+</file>
+
 <file path=customXml/itemProps1.xml><?xml version="1.0" encoding="utf-8"?>
-<ds:datastoreItem xmlns:ds="http://schemas.openxmlformats.org/officeDocument/2006/customXml" ds:itemID="{B5E2A04F-38EF-4280-A0EA-8D3BBB810614}">
+<ds:datastoreItem xmlns:ds="http://schemas.openxmlformats.org/officeDocument/2006/customXml" ds:itemID="{80882743-5D30-4ADD-B4AF-D2F9280B3442}">
   <ds:schemaRefs>
-    <ds:schemaRef ds:uri="http://schemas.microsoft.com/sharepoint/v3/contenttype/forms"/>
+    <ds:schemaRef ds:uri="http://schemas.microsoft.com/office/2006/metadata/contentType"/>
+    <ds:schemaRef ds:uri="http://schemas.microsoft.com/office/2006/metadata/properties/metaAttributes"/>
+    <ds:schemaRef ds:uri="http://www.w3.org/2001/XMLSchema"/>
+    <ds:schemaRef ds:uri="http://schemas.microsoft.com/office/2006/metadata/properties"/>
+    <ds:schemaRef ds:uri="http://schemas.microsoft.com/sharepoint/v3"/>
+    <ds:schemaRef ds:uri="http://schemas.microsoft.com/office/2006/documentManagement/types"/>
+    <ds:schemaRef ds:uri="http://schemas.openxmlformats.org/package/2006/metadata/core-properties"/>
+    <ds:schemaRef ds:uri="http://purl.org/dc/elements/1.1/"/>
+    <ds:schemaRef ds:uri="http://purl.org/dc/terms/"/>
+    <ds:schemaRef ds:uri="http://schemas.microsoft.com/office/internal/2005/internalDocumentation"/>
   </ds:schemaRefs>
 </ds:datastoreItem>
 </file>
@@ -4813,18 +5363,9 @@
 </file>
 
 <file path=customXml/itemProps3.xml><?xml version="1.0" encoding="utf-8"?>
-<ds:datastoreItem xmlns:ds="http://schemas.openxmlformats.org/officeDocument/2006/customXml" ds:itemID="{80882743-5D30-4ADD-B4AF-D2F9280B3442}">
+<ds:datastoreItem xmlns:ds="http://schemas.openxmlformats.org/officeDocument/2006/customXml" ds:itemID="{B5E2A04F-38EF-4280-A0EA-8D3BBB810614}">
   <ds:schemaRefs>
-    <ds:schemaRef ds:uri="http://schemas.microsoft.com/office/2006/metadata/contentType"/>
-    <ds:schemaRef ds:uri="http://schemas.microsoft.com/office/2006/metadata/properties/metaAttributes"/>
-    <ds:schemaRef ds:uri="http://www.w3.org/2001/XMLSchema"/>
-    <ds:schemaRef ds:uri="http://schemas.microsoft.com/office/2006/metadata/properties"/>
-    <ds:schemaRef ds:uri="http://schemas.microsoft.com/sharepoint/v3"/>
-    <ds:schemaRef ds:uri="http://schemas.microsoft.com/office/2006/documentManagement/types"/>
-    <ds:schemaRef ds:uri="http://schemas.openxmlformats.org/package/2006/metadata/core-properties"/>
-    <ds:schemaRef ds:uri="http://purl.org/dc/elements/1.1/"/>
-    <ds:schemaRef ds:uri="http://purl.org/dc/terms/"/>
-    <ds:schemaRef ds:uri="http://schemas.microsoft.com/office/internal/2005/internalDocumentation"/>
+    <ds:schemaRef ds:uri="http://schemas.microsoft.com/sharepoint/v3/contenttype/forms"/>
   </ds:schemaRefs>
 </ds:datastoreItem>
 </file>